--- a/5_documentation/Zeig Software Basic with Door Security Module.pptx
+++ b/5_documentation/Zeig Software Basic with Door Security Module.pptx
@@ -140,6 +140,35 @@
 <p:cmAuthorLst xmlns:a="http://schemas.openxmlformats.org/drawingml/2006/main" xmlns:r="http://schemas.openxmlformats.org/officeDocument/2006/relationships" xmlns:p="http://schemas.openxmlformats.org/presentationml/2006/main">
   <p:cmAuthor id="2" name="Author" initials="A" lastIdx="5" clrIdx="1"/>
 </p:cmAuthorLst>
+</file>
+
+<file path=ppt/changesInfos/changesInfo1.xml><?xml version="1.0" encoding="utf-8"?>
+<pc:chgInfo xmlns:a="http://schemas.openxmlformats.org/drawingml/2006/main" xmlns:r="http://schemas.openxmlformats.org/officeDocument/2006/relationships" xmlns:ac="http://schemas.microsoft.com/office/drawing/2013/main/command" xmlns:pc="http://schemas.microsoft.com/office/powerpoint/2013/main/command">
+  <pc:docChgLst>
+    <pc:chgData name="Zeig, Nicholas" userId="dfb0ac43-c2a6-4460-bcaa-a0b41367c4ed" providerId="ADAL" clId="{F4F7A398-D733-4ED7-AD55-47FBD6826700}"/>
+    <pc:docChg chg="modSld">
+      <pc:chgData name="Zeig, Nicholas" userId="dfb0ac43-c2a6-4460-bcaa-a0b41367c4ed" providerId="ADAL" clId="{F4F7A398-D733-4ED7-AD55-47FBD6826700}" dt="2024-11-05T15:03:48.280" v="21" actId="20577"/>
+      <pc:docMkLst>
+        <pc:docMk/>
+      </pc:docMkLst>
+      <pc:sldChg chg="modSp mod">
+        <pc:chgData name="Zeig, Nicholas" userId="dfb0ac43-c2a6-4460-bcaa-a0b41367c4ed" providerId="ADAL" clId="{F4F7A398-D733-4ED7-AD55-47FBD6826700}" dt="2024-11-05T15:03:48.280" v="21" actId="20577"/>
+        <pc:sldMkLst>
+          <pc:docMk/>
+          <pc:sldMk cId="1793949734" sldId="286"/>
+        </pc:sldMkLst>
+        <pc:spChg chg="mod">
+          <ac:chgData name="Zeig, Nicholas" userId="dfb0ac43-c2a6-4460-bcaa-a0b41367c4ed" providerId="ADAL" clId="{F4F7A398-D733-4ED7-AD55-47FBD6826700}" dt="2024-11-05T15:03:48.280" v="21" actId="20577"/>
+          <ac:spMkLst>
+            <pc:docMk/>
+            <pc:sldMk cId="1793949734" sldId="286"/>
+            <ac:spMk id="9" creationId="{E7A818AB-B120-41D5-88A6-933AB9CAAE68}"/>
+          </ac:spMkLst>
+        </pc:spChg>
+      </pc:sldChg>
+    </pc:docChg>
+  </pc:docChgLst>
+</pc:chgInfo>
 </file>
 
 <file path=ppt/handoutMasters/handoutMaster1.xml><?xml version="1.0" encoding="utf-8"?>
@@ -6006,7 +6035,31 @@
                 </a:solidFill>
                 <a:cs typeface="Arial"/>
               </a:rPr>
-              <a:t>Your app allows you to easily manage employees with a friendly front end interface that stores all information in a secure Amazon Web Services back end cloud database.</a:t>
+              <a:t>Your app allows you to easily manage employees with a friendly front end interface that stores all information in a </a:t>
+            </a:r>
+            <a:r>
+              <a:rPr lang="en-US" sz="1800" i="1" spc="-25">
+                <a:solidFill>
+                  <a:schemeClr val="bg2">
+                    <a:lumMod val="20000"/>
+                    <a:lumOff val="80000"/>
+                  </a:schemeClr>
+                </a:solidFill>
+                <a:cs typeface="Arial"/>
+              </a:rPr>
+              <a:t>secure Amazon Web Services </a:t>
+            </a:r>
+            <a:r>
+              <a:rPr lang="en-US" sz="1800" i="1" spc="-25" dirty="0">
+                <a:solidFill>
+                  <a:schemeClr val="bg2">
+                    <a:lumMod val="20000"/>
+                    <a:lumOff val="80000"/>
+                  </a:schemeClr>
+                </a:solidFill>
+                <a:cs typeface="Arial"/>
+              </a:rPr>
+              <a:t>back end cloud database.</a:t>
             </a:r>
           </a:p>
         </p:txBody>
